--- a/Fall_2020/Slides/11-Distributed_Concurrency_Control-2.pptx
+++ b/Fall_2020/Slides/11-Distributed_Concurrency_Control-2.pptx
@@ -319,7 +319,7 @@
               <a:pPr>
                 <a:defRPr/>
               </a:pPr>
-              <a:t>11/18/20</a:t>
+              <a:t>11/25/20</a:t>
             </a:fld>
             <a:endParaRPr lang="en-US"/>
           </a:p>
@@ -515,7 +515,7 @@
               <a:pPr>
                 <a:defRPr/>
               </a:pPr>
-              <a:t>2020/11/18</a:t>
+              <a:t>2020/11/25</a:t>
             </a:fld>
             <a:endParaRPr lang="zh-CN" altLang="en-US"/>
           </a:p>
@@ -1595,7 +1595,7 @@
             </a:pPr>
             <a:fld id="{B400D5AD-3190-2D45-B12D-B62AC466A547}" type="datetime5">
               <a:rPr lang="en-SG" altLang="zh-CN" smtClean="0"/>
-              <a:t>18-Nov-20</a:t>
+              <a:t>25-Nov-20</a:t>
             </a:fld>
             <a:endParaRPr lang="zh-CN" altLang="en-US"/>
           </a:p>
@@ -1798,7 +1798,7 @@
             </a:pPr>
             <a:fld id="{77EB3E00-1D0F-F642-9FE2-832D47692761}" type="datetime5">
               <a:rPr lang="en-SG" altLang="zh-CN" smtClean="0"/>
-              <a:t>18-Nov-20</a:t>
+              <a:t>25-Nov-20</a:t>
             </a:fld>
             <a:endParaRPr lang="zh-CN" altLang="en-US"/>
           </a:p>
@@ -2010,7 +2010,7 @@
             </a:pPr>
             <a:fld id="{5D1E53D3-3E15-D24D-B9DF-1A304B83154B}" type="datetime5">
               <a:rPr lang="en-SG" altLang="zh-CN" smtClean="0"/>
-              <a:t>18-Nov-20</a:t>
+              <a:t>25-Nov-20</a:t>
             </a:fld>
             <a:endParaRPr lang="zh-CN" altLang="en-US"/>
           </a:p>
@@ -2212,7 +2212,7 @@
             </a:pPr>
             <a:fld id="{5BC5D77F-D2F8-F748-AA66-FBE2CAFB2F88}" type="datetime5">
               <a:rPr lang="en-SG" altLang="zh-CN" smtClean="0"/>
-              <a:t>18-Nov-20</a:t>
+              <a:t>25-Nov-20</a:t>
             </a:fld>
             <a:endParaRPr lang="zh-CN" altLang="en-US"/>
           </a:p>
@@ -2737,7 +2737,7 @@
             </a:pPr>
             <a:fld id="{017EAEC9-1B07-644C-B8F9-461D16761E24}" type="datetime5">
               <a:rPr lang="en-SG" altLang="zh-CN" smtClean="0"/>
-              <a:t>18-Nov-20</a:t>
+              <a:t>25-Nov-20</a:t>
             </a:fld>
             <a:endParaRPr lang="zh-CN" altLang="en-US"/>
           </a:p>
@@ -3039,7 +3039,7 @@
             </a:pPr>
             <a:fld id="{A78F5DB4-B0BC-CD4C-8500-F67F9D146CA2}" type="datetime5">
               <a:rPr lang="en-SG" altLang="zh-CN" smtClean="0"/>
-              <a:t>18-Nov-20</a:t>
+              <a:t>25-Nov-20</a:t>
             </a:fld>
             <a:endParaRPr lang="zh-CN" altLang="en-US"/>
           </a:p>
@@ -3556,7 +3556,7 @@
             </a:pPr>
             <a:fld id="{9AFB623B-4CDE-BE48-A21E-0B941160BA7B}" type="datetime5">
               <a:rPr lang="en-SG" altLang="zh-CN" smtClean="0"/>
-              <a:t>18-Nov-20</a:t>
+              <a:t>25-Nov-20</a:t>
             </a:fld>
             <a:endParaRPr lang="zh-CN" altLang="en-US"/>
           </a:p>
@@ -3710,7 +3710,7 @@
             </a:pPr>
             <a:fld id="{3CB25BA1-F661-7146-82EB-6DE5B77C68B3}" type="datetime5">
               <a:rPr lang="en-SG" altLang="zh-CN" smtClean="0"/>
-              <a:t>18-Nov-20</a:t>
+              <a:t>25-Nov-20</a:t>
             </a:fld>
             <a:endParaRPr lang="zh-CN" altLang="en-US"/>
           </a:p>
@@ -3957,7 +3957,7 @@
             </a:pPr>
             <a:fld id="{82495C74-3BAB-244C-923A-4A5689831C5D}" type="datetime5">
               <a:rPr lang="en-SG" altLang="zh-CN" smtClean="0"/>
-              <a:t>18-Nov-20</a:t>
+              <a:t>25-Nov-20</a:t>
             </a:fld>
             <a:endParaRPr lang="zh-CN" altLang="en-US"/>
           </a:p>
@@ -4252,7 +4252,7 @@
             </a:pPr>
             <a:fld id="{3B28BA75-4699-EB45-8205-4FEC28EDE7D1}" type="datetime5">
               <a:rPr lang="en-SG" altLang="zh-CN" smtClean="0"/>
-              <a:t>18-Nov-20</a:t>
+              <a:t>25-Nov-20</a:t>
             </a:fld>
             <a:endParaRPr lang="zh-CN" altLang="en-US"/>
           </a:p>
@@ -4721,7 +4721,7 @@
             </a:pPr>
             <a:fld id="{32EC7F65-5A50-4842-96CE-6A851C71A346}" type="datetime5">
               <a:rPr lang="en-SG" altLang="zh-CN" smtClean="0"/>
-              <a:t>18-Nov-20</a:t>
+              <a:t>25-Nov-20</a:t>
             </a:fld>
             <a:endParaRPr lang="zh-CN" altLang="en-US"/>
           </a:p>
@@ -5290,7 +5290,7 @@
             </a:pPr>
             <a:fld id="{D75B8DA1-4CAE-BD4D-8E33-783A4C308E03}" type="datetime5">
               <a:rPr lang="en-SG" altLang="zh-CN" smtClean="0"/>
-              <a:t>18-Nov-20</a:t>
+              <a:t>25-Nov-20</a:t>
             </a:fld>
             <a:endParaRPr lang="zh-CN" altLang="en-US"/>
           </a:p>
